--- a/Virtual Machines and Runtime.pptx
+++ b/Virtual Machines and Runtime.pptx
@@ -18,9 +18,11 @@
     <p:sldId id="269" r:id="rId12"/>
     <p:sldId id="270" r:id="rId13"/>
     <p:sldId id="271" r:id="rId14"/>
-    <p:sldId id="272" r:id="rId15"/>
-    <p:sldId id="267" r:id="rId16"/>
-    <p:sldId id="266" r:id="rId17"/>
+    <p:sldId id="273" r:id="rId15"/>
+    <p:sldId id="274" r:id="rId16"/>
+    <p:sldId id="272" r:id="rId17"/>
+    <p:sldId id="267" r:id="rId18"/>
+    <p:sldId id="266" r:id="rId19"/>
   </p:sldIdLst>
   <p:sldSz cx="12192000" cy="6858000"/>
   <p:notesSz cx="6858000" cy="9144000"/>
@@ -119,6 +121,11 @@
       </a:defRPr>
     </a:lvl9pPr>
   </p:defaultTextStyle>
+  <p:extLst>
+    <p:ext uri="{EFAFB233-063F-42B5-8137-9DF3F51BA10A}">
+      <p15:sldGuideLst xmlns:p15="http://schemas.microsoft.com/office/powerpoint/2012/main"/>
+    </p:ext>
+  </p:extLst>
 </p:presentation>
 </file>
 
@@ -429,7 +436,7 @@
           <a:p>
             <a:fld id="{12241623-A064-4BED-B073-BA4D61433402}" type="datetime1">
               <a:rPr lang="en-US" smtClean="0"/>
-              <a:t>11/2/2020</a:t>
+              <a:t>11/5/2020</a:t>
             </a:fld>
             <a:endParaRPr lang="en-US" dirty="0"/>
           </a:p>
@@ -1240,7 +1247,7 @@
           <a:p>
             <a:fld id="{6F86ED0C-1DA7-41F0-94CF-6218B1FEDFF1}" type="datetime1">
               <a:rPr lang="en-US" smtClean="0"/>
-              <a:t>11/2/2020</a:t>
+              <a:t>11/5/2020</a:t>
             </a:fld>
             <a:endParaRPr lang="en-US" dirty="0"/>
           </a:p>
@@ -1439,7 +1446,7 @@
           <a:p>
             <a:fld id="{EECF02AB-6034-4B88-BC5A-7C17CB0EF809}" type="datetime1">
               <a:rPr lang="en-US" smtClean="0"/>
-              <a:t>11/2/2020</a:t>
+              <a:t>11/5/2020</a:t>
             </a:fld>
             <a:endParaRPr lang="en-US" dirty="0"/>
           </a:p>
@@ -1674,7 +1681,7 @@
           <a:p>
             <a:fld id="{22F3E5F3-28EE-488F-BD53-B744C06C3DEC}" type="datetime1">
               <a:rPr lang="en-US" smtClean="0"/>
-              <a:t>11/2/2020</a:t>
+              <a:t>11/5/2020</a:t>
             </a:fld>
             <a:endParaRPr lang="en-US" dirty="0"/>
           </a:p>
@@ -4367,7 +4374,7 @@
           <a:p>
             <a:fld id="{E72EB70D-CD01-44DA-83B3-8FEB3383D307}" type="datetime1">
               <a:rPr lang="en-US" smtClean="0"/>
-              <a:t>11/2/2020</a:t>
+              <a:t>11/5/2020</a:t>
             </a:fld>
             <a:endParaRPr lang="en-US" dirty="0"/>
           </a:p>
@@ -4563,7 +4570,7 @@
           <a:p>
             <a:fld id="{D0158CFD-9357-46BE-A189-D637A67C8730}" type="datetime1">
               <a:rPr lang="en-US" smtClean="0"/>
-              <a:t>11/2/2020</a:t>
+              <a:t>11/5/2020</a:t>
             </a:fld>
             <a:endParaRPr lang="en-US" dirty="0"/>
           </a:p>
@@ -4952,7 +4959,7 @@
           <a:p>
             <a:fld id="{7B4742EE-B331-4632-BD10-A82FED6B6FC0}" type="datetime1">
               <a:rPr lang="en-US" smtClean="0"/>
-              <a:t>11/2/2020</a:t>
+              <a:t>11/5/2020</a:t>
             </a:fld>
             <a:endParaRPr lang="en-US" dirty="0"/>
           </a:p>
@@ -5118,7 +5125,7 @@
           <a:p>
             <a:fld id="{451BA835-D13F-49F4-8F11-5D576AC65FAD}" type="datetime1">
               <a:rPr lang="en-US" smtClean="0"/>
-              <a:t>11/2/2020</a:t>
+              <a:t>11/5/2020</a:t>
             </a:fld>
             <a:endParaRPr lang="en-US" dirty="0"/>
           </a:p>
@@ -5241,7 +5248,7 @@
           <a:p>
             <a:fld id="{ADBD1799-ACB5-4CB2-86A2-5C574F1C8706}" type="datetime1">
               <a:rPr lang="en-US" smtClean="0"/>
-              <a:t>11/2/2020</a:t>
+              <a:t>11/5/2020</a:t>
             </a:fld>
             <a:endParaRPr lang="en-US" dirty="0"/>
           </a:p>
@@ -5551,7 +5558,7 @@
           <a:p>
             <a:fld id="{ED5DD0D6-7A82-473E-879B-C6ECD6CCCFEC}" type="datetime1">
               <a:rPr lang="en-US" smtClean="0"/>
-              <a:t>11/2/2020</a:t>
+              <a:t>11/5/2020</a:t>
             </a:fld>
             <a:endParaRPr lang="en-US" dirty="0"/>
           </a:p>
@@ -5851,7 +5858,7 @@
           <a:p>
             <a:fld id="{D4605E03-BC17-41A7-854C-DFAB672737DC}" type="datetime1">
               <a:rPr lang="en-US" smtClean="0"/>
-              <a:t>11/2/2020</a:t>
+              <a:t>11/5/2020</a:t>
             </a:fld>
             <a:endParaRPr lang="en-US" dirty="0"/>
           </a:p>
@@ -6103,7 +6110,7 @@
           <a:p>
             <a:fld id="{C4408324-A84C-4A45-93B6-78D079CCE772}" type="datetime1">
               <a:rPr lang="en-US" smtClean="0"/>
-              <a:t>11/2/2020</a:t>
+              <a:t>11/5/2020</a:t>
             </a:fld>
             <a:endParaRPr lang="en-US" dirty="0"/>
           </a:p>
@@ -8288,6 +8295,331 @@
       </p:grpSpPr>
       <p:sp>
         <p:nvSpPr>
+          <p:cNvPr id="6" name="Espace réservé du texte 5">
+            <a:extLst>
+              <a:ext uri="{FF2B5EF4-FFF2-40B4-BE49-F238E27FC236}">
+                <a16:creationId xmlns:a16="http://schemas.microsoft.com/office/drawing/2014/main" id="{0F0099CD-2CD7-4B7F-9ECA-C090448158CD}"/>
+              </a:ext>
+            </a:extLst>
+          </p:cNvPr>
+          <p:cNvSpPr>
+            <a:spLocks noGrp="1"/>
+          </p:cNvSpPr>
+          <p:nvPr>
+            <p:ph type="body" idx="1"/>
+          </p:nvPr>
+        </p:nvSpPr>
+        <p:spPr/>
+        <p:txBody>
+          <a:bodyPr/>
+          <a:lstStyle/>
+          <a:p>
+            <a:r>
+              <a:rPr lang="fr-FR" dirty="0" err="1"/>
+              <a:t>Loops</a:t>
+            </a:r>
+            <a:endParaRPr lang="fr-FR" dirty="0"/>
+          </a:p>
+        </p:txBody>
+      </p:sp>
+      <p:sp>
+        <p:nvSpPr>
+          <p:cNvPr id="7" name="Espace réservé du contenu 6">
+            <a:extLst>
+              <a:ext uri="{FF2B5EF4-FFF2-40B4-BE49-F238E27FC236}">
+                <a16:creationId xmlns:a16="http://schemas.microsoft.com/office/drawing/2014/main" id="{210A6ABC-2C38-46B9-81AF-20E54DC97F76}"/>
+              </a:ext>
+            </a:extLst>
+          </p:cNvPr>
+          <p:cNvSpPr>
+            <a:spLocks noGrp="1"/>
+          </p:cNvSpPr>
+          <p:nvPr>
+            <p:ph sz="half" idx="2"/>
+          </p:nvPr>
+        </p:nvSpPr>
+        <p:spPr/>
+        <p:txBody>
+          <a:bodyPr/>
+          <a:lstStyle/>
+          <a:p>
+            <a:endParaRPr lang="fr-FR"/>
+          </a:p>
+        </p:txBody>
+      </p:sp>
+      <p:sp>
+        <p:nvSpPr>
+          <p:cNvPr id="8" name="Espace réservé du texte 7">
+            <a:extLst>
+              <a:ext uri="{FF2B5EF4-FFF2-40B4-BE49-F238E27FC236}">
+                <a16:creationId xmlns:a16="http://schemas.microsoft.com/office/drawing/2014/main" id="{DE2F4196-E74E-4518-A15B-D1D3D783498C}"/>
+              </a:ext>
+            </a:extLst>
+          </p:cNvPr>
+          <p:cNvSpPr>
+            <a:spLocks noGrp="1"/>
+          </p:cNvSpPr>
+          <p:nvPr>
+            <p:ph type="body" sz="quarter" idx="3"/>
+          </p:nvPr>
+        </p:nvSpPr>
+        <p:spPr/>
+        <p:txBody>
+          <a:bodyPr/>
+          <a:lstStyle/>
+          <a:p>
+            <a:r>
+              <a:rPr lang="fr-FR" dirty="0" err="1"/>
+              <a:t>Function</a:t>
+            </a:r>
+            <a:r>
+              <a:rPr lang="fr-FR" dirty="0"/>
+              <a:t> calls</a:t>
+            </a:r>
+          </a:p>
+        </p:txBody>
+      </p:sp>
+      <p:sp>
+        <p:nvSpPr>
+          <p:cNvPr id="9" name="Espace réservé du contenu 8">
+            <a:extLst>
+              <a:ext uri="{FF2B5EF4-FFF2-40B4-BE49-F238E27FC236}">
+                <a16:creationId xmlns:a16="http://schemas.microsoft.com/office/drawing/2014/main" id="{CEE8AC28-A7B2-4437-A7EE-019232CE5739}"/>
+              </a:ext>
+            </a:extLst>
+          </p:cNvPr>
+          <p:cNvSpPr>
+            <a:spLocks noGrp="1"/>
+          </p:cNvSpPr>
+          <p:nvPr>
+            <p:ph sz="quarter" idx="4"/>
+          </p:nvPr>
+        </p:nvSpPr>
+        <p:spPr/>
+        <p:txBody>
+          <a:bodyPr/>
+          <a:lstStyle/>
+          <a:p>
+            <a:endParaRPr lang="fr-FR"/>
+          </a:p>
+        </p:txBody>
+      </p:sp>
+      <p:sp>
+        <p:nvSpPr>
+          <p:cNvPr id="2" name="Titre 1">
+            <a:extLst>
+              <a:ext uri="{FF2B5EF4-FFF2-40B4-BE49-F238E27FC236}">
+                <a16:creationId xmlns:a16="http://schemas.microsoft.com/office/drawing/2014/main" id="{E32F8972-A615-42ED-8307-33985B192107}"/>
+              </a:ext>
+            </a:extLst>
+          </p:cNvPr>
+          <p:cNvSpPr>
+            <a:spLocks noGrp="1"/>
+          </p:cNvSpPr>
+          <p:nvPr>
+            <p:ph type="title"/>
+          </p:nvPr>
+        </p:nvSpPr>
+        <p:spPr/>
+        <p:txBody>
+          <a:bodyPr/>
+          <a:lstStyle/>
+          <a:p>
+            <a:r>
+              <a:rPr lang="fr-FR" dirty="0"/>
+              <a:t>JIT </a:t>
+            </a:r>
+            <a:r>
+              <a:rPr lang="fr-FR" dirty="0" err="1"/>
+              <a:t>usual</a:t>
+            </a:r>
+            <a:r>
+              <a:rPr lang="fr-FR" dirty="0"/>
+              <a:t> </a:t>
+            </a:r>
+            <a:r>
+              <a:rPr lang="fr-FR" dirty="0" err="1"/>
+              <a:t>optimizations</a:t>
+            </a:r>
+            <a:endParaRPr lang="fr-FR" dirty="0"/>
+          </a:p>
+        </p:txBody>
+      </p:sp>
+    </p:spTree>
+    <p:extLst>
+      <p:ext uri="{BB962C8B-B14F-4D97-AF65-F5344CB8AC3E}">
+        <p14:creationId xmlns:p14="http://schemas.microsoft.com/office/powerpoint/2010/main" val="3194524846"/>
+      </p:ext>
+    </p:extLst>
+  </p:cSld>
+  <p:clrMapOvr>
+    <a:masterClrMapping/>
+  </p:clrMapOvr>
+</p:sld>
+</file>
+
+<file path=ppt/slides/slide15.xml><?xml version="1.0" encoding="utf-8"?>
+<p:sld xmlns:a="http://schemas.openxmlformats.org/drawingml/2006/main" xmlns:r="http://schemas.openxmlformats.org/officeDocument/2006/relationships" xmlns:p="http://schemas.openxmlformats.org/presentationml/2006/main">
+  <p:cSld>
+    <p:spTree>
+      <p:nvGrpSpPr>
+        <p:cNvPr id="1" name=""/>
+        <p:cNvGrpSpPr/>
+        <p:nvPr/>
+      </p:nvGrpSpPr>
+      <p:grpSpPr>
+        <a:xfrm>
+          <a:off x="0" y="0"/>
+          <a:ext cx="0" cy="0"/>
+          <a:chOff x="0" y="0"/>
+          <a:chExt cx="0" cy="0"/>
+        </a:xfrm>
+      </p:grpSpPr>
+      <p:sp>
+        <p:nvSpPr>
+          <p:cNvPr id="6" name="Titre 5">
+            <a:extLst>
+              <a:ext uri="{FF2B5EF4-FFF2-40B4-BE49-F238E27FC236}">
+                <a16:creationId xmlns:a16="http://schemas.microsoft.com/office/drawing/2014/main" id="{DCF9D5C1-90BA-482B-BBCC-64C1E9009D22}"/>
+              </a:ext>
+            </a:extLst>
+          </p:cNvPr>
+          <p:cNvSpPr>
+            <a:spLocks noGrp="1"/>
+          </p:cNvSpPr>
+          <p:nvPr>
+            <p:ph type="title"/>
+          </p:nvPr>
+        </p:nvSpPr>
+        <p:spPr/>
+        <p:txBody>
+          <a:bodyPr/>
+          <a:lstStyle/>
+          <a:p>
+            <a:r>
+              <a:rPr lang="fr-FR" dirty="0"/>
+              <a:t>Benchmarks </a:t>
+            </a:r>
+            <a:r>
+              <a:rPr lang="fr-FR" dirty="0" err="1"/>
+              <a:t>performed</a:t>
+            </a:r>
+            <a:endParaRPr lang="fr-FR" dirty="0"/>
+          </a:p>
+        </p:txBody>
+      </p:sp>
+      <p:sp>
+        <p:nvSpPr>
+          <p:cNvPr id="7" name="Espace réservé du contenu 6">
+            <a:extLst>
+              <a:ext uri="{FF2B5EF4-FFF2-40B4-BE49-F238E27FC236}">
+                <a16:creationId xmlns:a16="http://schemas.microsoft.com/office/drawing/2014/main" id="{D9BBB855-54D2-4B26-BD7B-5AE3BF8B0812}"/>
+              </a:ext>
+            </a:extLst>
+          </p:cNvPr>
+          <p:cNvSpPr>
+            <a:spLocks noGrp="1"/>
+          </p:cNvSpPr>
+          <p:nvPr>
+            <p:ph idx="1"/>
+          </p:nvPr>
+        </p:nvSpPr>
+        <p:spPr/>
+        <p:txBody>
+          <a:bodyPr>
+            <a:normAutofit fontScale="92500" lnSpcReduction="10000"/>
+          </a:bodyPr>
+          <a:lstStyle/>
+          <a:p>
+            <a:r>
+              <a:rPr lang="en-US" dirty="0"/>
+              <a:t>Benchmark performed on two big arrays:</a:t>
+            </a:r>
+          </a:p>
+          <a:p>
+            <a:pPr marL="285750" indent="-285750">
+              <a:buFont typeface="Arial" panose="020B0604020202020204" pitchFamily="34" charset="0"/>
+              <a:buChar char="•"/>
+            </a:pPr>
+            <a:r>
+              <a:rPr lang="en-US" dirty="0"/>
+              <a:t>Array of native type (int)</a:t>
+            </a:r>
+          </a:p>
+          <a:p>
+            <a:pPr marL="285750" indent="-285750">
+              <a:buFont typeface="Arial" panose="020B0604020202020204" pitchFamily="34" charset="0"/>
+              <a:buChar char="•"/>
+            </a:pPr>
+            <a:r>
+              <a:rPr lang="en-US" dirty="0"/>
+              <a:t>Array of two different objects (boxed </a:t>
+            </a:r>
+            <a:r>
+              <a:rPr lang="en-US" dirty="0" err="1"/>
+              <a:t>ints</a:t>
+            </a:r>
+            <a:r>
+              <a:rPr lang="en-US" dirty="0"/>
+              <a:t>)</a:t>
+            </a:r>
+          </a:p>
+          <a:p>
+            <a:pPr marL="285750" indent="-285750">
+              <a:buFont typeface="Arial" panose="020B0604020202020204" pitchFamily="34" charset="0"/>
+              <a:buChar char="•"/>
+            </a:pPr>
+            <a:endParaRPr lang="en-US" dirty="0"/>
+          </a:p>
+          <a:p>
+            <a:r>
+              <a:rPr lang="en-US" dirty="0"/>
+              <a:t>Focus on the loop iteration performance by going through all elements of the arrays.</a:t>
+            </a:r>
+          </a:p>
+          <a:p>
+            <a:endParaRPr lang="en-US" dirty="0"/>
+          </a:p>
+          <a:p>
+            <a:r>
+              <a:rPr lang="en-US" dirty="0"/>
+              <a:t>Focus on the access to a variable boxed/non boxed by a class.</a:t>
+            </a:r>
+          </a:p>
+        </p:txBody>
+      </p:sp>
+    </p:spTree>
+    <p:extLst>
+      <p:ext uri="{BB962C8B-B14F-4D97-AF65-F5344CB8AC3E}">
+        <p14:creationId xmlns:p14="http://schemas.microsoft.com/office/powerpoint/2010/main" val="589207730"/>
+      </p:ext>
+    </p:extLst>
+  </p:cSld>
+  <p:clrMapOvr>
+    <a:masterClrMapping/>
+  </p:clrMapOvr>
+</p:sld>
+</file>
+
+<file path=ppt/slides/slide16.xml><?xml version="1.0" encoding="utf-8"?>
+<p:sld xmlns:a="http://schemas.openxmlformats.org/drawingml/2006/main" xmlns:r="http://schemas.openxmlformats.org/officeDocument/2006/relationships" xmlns:p="http://schemas.openxmlformats.org/presentationml/2006/main">
+  <p:cSld>
+    <p:spTree>
+      <p:nvGrpSpPr>
+        <p:cNvPr id="1" name=""/>
+        <p:cNvGrpSpPr/>
+        <p:nvPr/>
+      </p:nvGrpSpPr>
+      <p:grpSpPr>
+        <a:xfrm>
+          <a:off x="0" y="0"/>
+          <a:ext cx="0" cy="0"/>
+          <a:chOff x="0" y="0"/>
+          <a:chExt cx="0" cy="0"/>
+        </a:xfrm>
+      </p:grpSpPr>
+      <p:sp>
+        <p:nvSpPr>
           <p:cNvPr id="4" name="Titre 3">
             <a:extLst>
               <a:ext uri="{FF2B5EF4-FFF2-40B4-BE49-F238E27FC236}">
@@ -8393,7 +8725,7 @@
 </p:sld>
 </file>
 
-<file path=ppt/slides/slide15.xml><?xml version="1.0" encoding="utf-8"?>
+<file path=ppt/slides/slide17.xml><?xml version="1.0" encoding="utf-8"?>
 <p:sld xmlns:a="http://schemas.openxmlformats.org/drawingml/2006/main" xmlns:r="http://schemas.openxmlformats.org/officeDocument/2006/relationships" xmlns:p="http://schemas.openxmlformats.org/presentationml/2006/main">
   <p:cSld>
     <p:spTree>
@@ -8567,7 +8899,7 @@
 </p:sld>
 </file>
 
-<file path=ppt/slides/slide16.xml><?xml version="1.0" encoding="utf-8"?>
+<file path=ppt/slides/slide18.xml><?xml version="1.0" encoding="utf-8"?>
 <p:sld xmlns:a="http://schemas.openxmlformats.org/drawingml/2006/main" xmlns:r="http://schemas.openxmlformats.org/officeDocument/2006/relationships" xmlns:p="http://schemas.openxmlformats.org/presentationml/2006/main">
   <p:cSld>
     <p:spTree>
